--- a/Tohir Mirxomitov GW.pptx
+++ b/Tohir Mirxomitov GW.pptx
@@ -5,7 +5,7 @@
     <p:sldMasterId id="2147483648" r:id="rId1"/>
   </p:sldMasterIdLst>
   <p:notesMasterIdLst>
-    <p:notesMasterId r:id="rId16"/>
+    <p:notesMasterId r:id="rId18"/>
   </p:notesMasterIdLst>
   <p:sldIdLst>
     <p:sldId id="258" r:id="rId2"/>
@@ -20,8 +20,10 @@
     <p:sldId id="337" r:id="rId11"/>
     <p:sldId id="339" r:id="rId12"/>
     <p:sldId id="331" r:id="rId13"/>
-    <p:sldId id="340" r:id="rId14"/>
-    <p:sldId id="301" r:id="rId15"/>
+    <p:sldId id="343" r:id="rId14"/>
+    <p:sldId id="342" r:id="rId15"/>
+    <p:sldId id="340" r:id="rId16"/>
+    <p:sldId id="301" r:id="rId17"/>
   </p:sldIdLst>
   <p:sldSz cx="12192000" cy="6858000"/>
   <p:notesSz cx="6858000" cy="9144000"/>
@@ -122,7 +124,7 @@
   </p:defaultTextStyle>
   <p:extLst>
     <p:ext uri="{EFAFB233-063F-42B5-8137-9DF3F51BA10A}">
-      <p15:sldGuideLst xmlns="" xmlns:p15="http://schemas.microsoft.com/office/powerpoint/2012/main">
+      <p15:sldGuideLst xmlns:p15="http://schemas.microsoft.com/office/powerpoint/2012/main" xmlns="">
         <p15:guide id="1" orient="horz" pos="2160" userDrawn="1">
           <p15:clr>
             <a:srgbClr val="A4A3A4"/>
@@ -4393,6 +4395,13 @@
   <p:clrMapOvr>
     <a:masterClrMapping/>
   </p:clrMapOvr>
+  <p:timing>
+    <p:tnLst>
+      <p:par>
+        <p:cTn id="1" dur="indefinite" restart="never" nodeType="tmRoot"/>
+      </p:par>
+    </p:tnLst>
+  </p:timing>
 </p:sld>
 </file>
 
@@ -5026,6 +5035,13 @@
   <p:clrMapOvr>
     <a:masterClrMapping/>
   </p:clrMapOvr>
+  <p:timing>
+    <p:tnLst>
+      <p:par>
+        <p:cTn id="1" dur="indefinite" restart="never" nodeType="tmRoot"/>
+      </p:par>
+    </p:tnLst>
+  </p:timing>
 </p:sld>
 </file>
 
@@ -5051,7 +5067,7 @@
           <p:cNvPr id="3" name="TextBox 2">
             <a:extLst>
               <a:ext uri="{FF2B5EF4-FFF2-40B4-BE49-F238E27FC236}">
-                <a16:creationId xmlns="" xmlns:a16="http://schemas.microsoft.com/office/drawing/2014/main" id="{3E2E1950-4726-44D2-BDB1-8F9A5C6D18B9}"/>
+                <a16:creationId xmlns:a16="http://schemas.microsoft.com/office/drawing/2014/main" xmlns="" id="{3E2E1950-4726-44D2-BDB1-8F9A5C6D18B9}"/>
               </a:ext>
             </a:extLst>
           </p:cNvPr>
@@ -7038,6 +7054,13 @@
   <p:clrMapOvr>
     <a:masterClrMapping/>
   </p:clrMapOvr>
+  <p:timing>
+    <p:tnLst>
+      <p:par>
+        <p:cTn id="1" dur="indefinite" restart="never" nodeType="tmRoot"/>
+      </p:par>
+    </p:tnLst>
+  </p:timing>
 </p:sld>
 </file>
 
@@ -7058,215 +7081,6 @@
           <a:chExt cx="0" cy="0"/>
         </a:xfrm>
       </p:grpSpPr>
-      <p:sp>
-        <p:nvSpPr>
-          <p:cNvPr id="3" name="TextBox 2">
-            <a:extLst>
-              <a:ext uri="{FF2B5EF4-FFF2-40B4-BE49-F238E27FC236}">
-                <a16:creationId xmlns="" xmlns:a16="http://schemas.microsoft.com/office/drawing/2014/main" id="{3E2E1950-4726-44D2-BDB1-8F9A5C6D18B9}"/>
-              </a:ext>
-            </a:extLst>
-          </p:cNvPr>
-          <p:cNvSpPr txBox="1"/>
-          <p:nvPr/>
-        </p:nvSpPr>
-        <p:spPr>
-          <a:xfrm>
-            <a:off x="479376" y="1052736"/>
-            <a:ext cx="11305256" cy="4708981"/>
-          </a:xfrm>
-          <a:prstGeom prst="rect">
-            <a:avLst/>
-          </a:prstGeom>
-          <a:noFill/>
-        </p:spPr>
-        <p:txBody>
-          <a:bodyPr wrap="square">
-            <a:spAutoFit/>
-          </a:bodyPr>
-          <a:lstStyle/>
-          <a:p>
-            <a:pPr algn="just"/>
-            <a:r>
-              <a:rPr lang="ru-RU" sz="2000" b="1" dirty="0">
-                <a:latin typeface="Times New Roman" panose="02020603050405020304" pitchFamily="18" charset="0"/>
-                <a:cs typeface="Times New Roman" panose="02020603050405020304" pitchFamily="18" charset="0"/>
-              </a:rPr>
-              <a:t>В труднодоступных или опасных местах</a:t>
-            </a:r>
-            <a:r>
-              <a:rPr lang="ru-RU" sz="2000" b="1" dirty="0" smtClean="0">
-                <a:latin typeface="Times New Roman" panose="02020603050405020304" pitchFamily="18" charset="0"/>
-                <a:cs typeface="Times New Roman" panose="02020603050405020304" pitchFamily="18" charset="0"/>
-              </a:rPr>
-              <a:t>:</a:t>
-            </a:r>
-            <a:endParaRPr lang="en-US" sz="2000" b="1" dirty="0" smtClean="0">
-              <a:latin typeface="Times New Roman" panose="02020603050405020304" pitchFamily="18" charset="0"/>
-              <a:cs typeface="Times New Roman" panose="02020603050405020304" pitchFamily="18" charset="0"/>
-            </a:endParaRPr>
-          </a:p>
-          <a:p>
-            <a:pPr algn="just"/>
-            <a:r>
-              <a:rPr lang="ru-RU" sz="2000" dirty="0" smtClean="0">
-                <a:latin typeface="Times New Roman" panose="02020603050405020304" pitchFamily="18" charset="0"/>
-                <a:cs typeface="Times New Roman" panose="02020603050405020304" pitchFamily="18" charset="0"/>
-              </a:rPr>
-              <a:t>Машина может попасть в зоны, куда человек не может добраться, такие как узкие проходы, подземные пространства или зоны с радиационным загрязнением.</a:t>
-            </a:r>
-          </a:p>
-          <a:p>
-            <a:pPr algn="just"/>
-            <a:endParaRPr lang="en-US" sz="2000" b="1" dirty="0" smtClean="0">
-              <a:latin typeface="Times New Roman" panose="02020603050405020304" pitchFamily="18" charset="0"/>
-              <a:cs typeface="Times New Roman" panose="02020603050405020304" pitchFamily="18" charset="0"/>
-            </a:endParaRPr>
-          </a:p>
-          <a:p>
-            <a:pPr algn="just"/>
-            <a:r>
-              <a:rPr lang="ru-RU" sz="2000" b="1" dirty="0" smtClean="0">
-                <a:latin typeface="Times New Roman" panose="02020603050405020304" pitchFamily="18" charset="0"/>
-                <a:cs typeface="Times New Roman" panose="02020603050405020304" pitchFamily="18" charset="0"/>
-              </a:rPr>
-              <a:t>В экстремальных условиях:</a:t>
-            </a:r>
-            <a:endParaRPr lang="en-US" sz="2000" b="1" dirty="0" smtClean="0">
-              <a:latin typeface="Times New Roman" panose="02020603050405020304" pitchFamily="18" charset="0"/>
-              <a:cs typeface="Times New Roman" panose="02020603050405020304" pitchFamily="18" charset="0"/>
-            </a:endParaRPr>
-          </a:p>
-          <a:p>
-            <a:pPr algn="just"/>
-            <a:r>
-              <a:rPr lang="ru-RU" sz="2000" dirty="0" smtClean="0">
-                <a:latin typeface="Times New Roman" panose="02020603050405020304" pitchFamily="18" charset="0"/>
-                <a:cs typeface="Times New Roman" panose="02020603050405020304" pitchFamily="18" charset="0"/>
-              </a:rPr>
-              <a:t>Машина работает в зонах с высоким риском, например, в местах с огнем, химическими загрязнениями или природными катастрофами.</a:t>
-            </a:r>
-          </a:p>
-          <a:p>
-            <a:pPr algn="just"/>
-            <a:endParaRPr lang="en-US" sz="2000" b="1" dirty="0" smtClean="0">
-              <a:latin typeface="Times New Roman" panose="02020603050405020304" pitchFamily="18" charset="0"/>
-              <a:cs typeface="Times New Roman" panose="02020603050405020304" pitchFamily="18" charset="0"/>
-            </a:endParaRPr>
-          </a:p>
-          <a:p>
-            <a:pPr algn="just"/>
-            <a:r>
-              <a:rPr lang="ru-RU" sz="2000" b="1" dirty="0" smtClean="0">
-                <a:latin typeface="Times New Roman" panose="02020603050405020304" pitchFamily="18" charset="0"/>
-                <a:cs typeface="Times New Roman" panose="02020603050405020304" pitchFamily="18" charset="0"/>
-              </a:rPr>
-              <a:t>Мониторинг </a:t>
-            </a:r>
-            <a:r>
-              <a:rPr lang="ru-RU" sz="2000" b="1" dirty="0">
-                <a:latin typeface="Times New Roman" panose="02020603050405020304" pitchFamily="18" charset="0"/>
-                <a:cs typeface="Times New Roman" panose="02020603050405020304" pitchFamily="18" charset="0"/>
-              </a:rPr>
-              <a:t>температуры и давления</a:t>
-            </a:r>
-            <a:r>
-              <a:rPr lang="ru-RU" sz="2000" b="1" dirty="0" smtClean="0">
-                <a:latin typeface="Times New Roman" panose="02020603050405020304" pitchFamily="18" charset="0"/>
-                <a:cs typeface="Times New Roman" panose="02020603050405020304" pitchFamily="18" charset="0"/>
-              </a:rPr>
-              <a:t>:</a:t>
-            </a:r>
-            <a:endParaRPr lang="en-US" sz="2000" b="1" dirty="0" smtClean="0">
-              <a:latin typeface="Times New Roman" panose="02020603050405020304" pitchFamily="18" charset="0"/>
-              <a:cs typeface="Times New Roman" panose="02020603050405020304" pitchFamily="18" charset="0"/>
-            </a:endParaRPr>
-          </a:p>
-          <a:p>
-            <a:pPr algn="just"/>
-            <a:r>
-              <a:rPr lang="ru-RU" sz="2000" dirty="0" smtClean="0">
-                <a:latin typeface="Times New Roman" panose="02020603050405020304" pitchFamily="18" charset="0"/>
-                <a:cs typeface="Times New Roman" panose="02020603050405020304" pitchFamily="18" charset="0"/>
-              </a:rPr>
-              <a:t>Возможность </a:t>
-            </a:r>
-            <a:r>
-              <a:rPr lang="ru-RU" sz="2000" dirty="0">
-                <a:latin typeface="Times New Roman" panose="02020603050405020304" pitchFamily="18" charset="0"/>
-                <a:cs typeface="Times New Roman" panose="02020603050405020304" pitchFamily="18" charset="0"/>
-              </a:rPr>
-              <a:t>работы в местах с высокими температурами или низким давлением, где нахождение человека опасно.</a:t>
-            </a:r>
-          </a:p>
-          <a:p>
-            <a:pPr algn="just"/>
-            <a:endParaRPr lang="en-US" sz="2000" b="1" dirty="0" smtClean="0">
-              <a:latin typeface="Times New Roman" panose="02020603050405020304" pitchFamily="18" charset="0"/>
-              <a:cs typeface="Times New Roman" panose="02020603050405020304" pitchFamily="18" charset="0"/>
-            </a:endParaRPr>
-          </a:p>
-          <a:p>
-            <a:pPr algn="just"/>
-            <a:r>
-              <a:rPr lang="ru-RU" sz="2000" b="1" dirty="0" smtClean="0">
-                <a:latin typeface="Times New Roman" panose="02020603050405020304" pitchFamily="18" charset="0"/>
-                <a:cs typeface="Times New Roman" panose="02020603050405020304" pitchFamily="18" charset="0"/>
-              </a:rPr>
-              <a:t>Мониторинг </a:t>
-            </a:r>
-            <a:r>
-              <a:rPr lang="ru-RU" sz="2000" b="1" dirty="0">
-                <a:latin typeface="Times New Roman" panose="02020603050405020304" pitchFamily="18" charset="0"/>
-                <a:cs typeface="Times New Roman" panose="02020603050405020304" pitchFamily="18" charset="0"/>
-              </a:rPr>
-              <a:t>больших территорий</a:t>
-            </a:r>
-            <a:r>
-              <a:rPr lang="ru-RU" sz="2000" b="1" dirty="0" smtClean="0">
-                <a:latin typeface="Times New Roman" panose="02020603050405020304" pitchFamily="18" charset="0"/>
-                <a:cs typeface="Times New Roman" panose="02020603050405020304" pitchFamily="18" charset="0"/>
-              </a:rPr>
-              <a:t>:</a:t>
-            </a:r>
-            <a:endParaRPr lang="en-US" sz="2000" b="1" dirty="0" smtClean="0">
-              <a:latin typeface="Times New Roman" panose="02020603050405020304" pitchFamily="18" charset="0"/>
-              <a:cs typeface="Times New Roman" panose="02020603050405020304" pitchFamily="18" charset="0"/>
-            </a:endParaRPr>
-          </a:p>
-          <a:p>
-            <a:pPr algn="just"/>
-            <a:r>
-              <a:rPr lang="ru-RU" sz="2000" dirty="0" smtClean="0">
-                <a:latin typeface="Times New Roman" panose="02020603050405020304" pitchFamily="18" charset="0"/>
-                <a:cs typeface="Times New Roman" panose="02020603050405020304" pitchFamily="18" charset="0"/>
-              </a:rPr>
-              <a:t>Машина </a:t>
-            </a:r>
-            <a:r>
-              <a:rPr lang="ru-RU" sz="2000" dirty="0">
-                <a:latin typeface="Times New Roman" panose="02020603050405020304" pitchFamily="18" charset="0"/>
-                <a:cs typeface="Times New Roman" panose="02020603050405020304" pitchFamily="18" charset="0"/>
-              </a:rPr>
-              <a:t>может перемещаться по большим территориям для анализа окружающей среды, например, в </a:t>
-            </a:r>
-            <a:r>
-              <a:rPr lang="ru-RU" sz="2000" dirty="0" smtClean="0">
-                <a:latin typeface="Times New Roman" panose="02020603050405020304" pitchFamily="18" charset="0"/>
-                <a:cs typeface="Times New Roman" panose="02020603050405020304" pitchFamily="18" charset="0"/>
-              </a:rPr>
-              <a:t>на </a:t>
-            </a:r>
-            <a:r>
-              <a:rPr lang="ru-RU" sz="2000" dirty="0">
-                <a:latin typeface="Times New Roman" panose="02020603050405020304" pitchFamily="18" charset="0"/>
-                <a:cs typeface="Times New Roman" panose="02020603050405020304" pitchFamily="18" charset="0"/>
-              </a:rPr>
-              <a:t>промышленных объектах.</a:t>
-            </a:r>
-          </a:p>
-        </p:txBody>
-      </p:sp>
       <p:sp>
         <p:nvSpPr>
           <p:cNvPr id="4" name="Прямоугольник 3"/>
@@ -7399,7 +7213,7 @@
         <p:spPr>
           <a:xfrm>
             <a:off x="3951660" y="258862"/>
-            <a:ext cx="4944815" cy="461665"/>
+            <a:ext cx="4375172" cy="461665"/>
           </a:xfrm>
           <a:prstGeom prst="rect">
             <a:avLst/>
@@ -7412,12 +7226,12 @@
           <a:lstStyle/>
           <a:p>
             <a:r>
-              <a:rPr lang="ru-RU" sz="2400" b="1" dirty="0" smtClean="0">
+              <a:rPr lang="ru-RU" sz="2400" b="1" smtClean="0">
                 <a:latin typeface="Times New Roman" pitchFamily="18" charset="0"/>
                 <a:ea typeface="Verdana" pitchFamily="34" charset="0"/>
                 <a:cs typeface="Times New Roman" pitchFamily="18" charset="0"/>
               </a:rPr>
-              <a:t>Где </a:t>
+              <a:t>Алгоритм </a:t>
             </a:r>
             <a:r>
               <a:rPr lang="ru-RU" sz="2400" b="1" dirty="0">
@@ -7425,28 +7239,66 @@
                 <a:ea typeface="Verdana" pitchFamily="34" charset="0"/>
                 <a:cs typeface="Times New Roman" pitchFamily="18" charset="0"/>
               </a:rPr>
-              <a:t>можно использовать </a:t>
-            </a:r>
-            <a:r>
-              <a:rPr lang="ru-RU" sz="2400" b="1" dirty="0" smtClean="0">
-                <a:latin typeface="Times New Roman" pitchFamily="18" charset="0"/>
-                <a:ea typeface="Verdana" pitchFamily="34" charset="0"/>
-                <a:cs typeface="Times New Roman" pitchFamily="18" charset="0"/>
-              </a:rPr>
-              <a:t>машину</a:t>
-            </a:r>
-            <a:r>
-              <a:rPr lang="en-US" sz="2400" b="1" dirty="0" smtClean="0">
-                <a:latin typeface="Times New Roman" pitchFamily="18" charset="0"/>
-                <a:ea typeface="Verdana" pitchFamily="34" charset="0"/>
-                <a:cs typeface="Times New Roman" pitchFamily="18" charset="0"/>
-              </a:rPr>
-              <a:t>?</a:t>
+              <a:t>работы программы</a:t>
             </a:r>
             <a:endParaRPr lang="ru-RU" sz="2400" dirty="0"/>
           </a:p>
         </p:txBody>
       </p:sp>
+      <p:pic>
+        <p:nvPicPr>
+          <p:cNvPr id="2050" name="Picture 2"/>
+          <p:cNvPicPr>
+            <a:picLocks noChangeAspect="1" noChangeArrowheads="1"/>
+          </p:cNvPicPr>
+          <p:nvPr/>
+        </p:nvPicPr>
+        <p:blipFill>
+          <a:blip r:embed="rId2">
+            <a:extLst>
+              <a:ext uri="{28A0092B-C50C-407E-A947-70E740481C1C}">
+                <a14:useLocalDpi xmlns:a14="http://schemas.microsoft.com/office/drawing/2010/main" val="0"/>
+              </a:ext>
+            </a:extLst>
+          </a:blip>
+          <a:srcRect/>
+          <a:stretch>
+            <a:fillRect/>
+          </a:stretch>
+        </p:blipFill>
+        <p:spPr bwMode="auto">
+          <a:xfrm>
+            <a:off x="3215680" y="936025"/>
+            <a:ext cx="5566124" cy="5618801"/>
+          </a:xfrm>
+          <a:prstGeom prst="rect">
+            <a:avLst/>
+          </a:prstGeom>
+          <a:noFill/>
+          <a:ln>
+            <a:noFill/>
+          </a:ln>
+          <a:extLst>
+            <a:ext uri="{909E8E84-426E-40DD-AFC4-6F175D3DCCD1}">
+              <a14:hiddenFill xmlns:a14="http://schemas.microsoft.com/office/drawing/2010/main">
+                <a:solidFill>
+                  <a:schemeClr val="accent1"/>
+                </a:solidFill>
+              </a14:hiddenFill>
+            </a:ext>
+            <a:ext uri="{91240B29-F687-4F45-9708-019B960494DF}">
+              <a14:hiddenLine xmlns:a14="http://schemas.microsoft.com/office/drawing/2010/main" w="9525">
+                <a:solidFill>
+                  <a:schemeClr val="tx1"/>
+                </a:solidFill>
+                <a:miter lim="800000"/>
+                <a:headEnd/>
+                <a:tailEnd/>
+              </a14:hiddenLine>
+            </a:ext>
+          </a:extLst>
+        </p:spPr>
+      </p:pic>
     </p:spTree>
     <p:extLst>
       <p:ext uri="{BB962C8B-B14F-4D97-AF65-F5344CB8AC3E}">
@@ -7457,6 +7309,13 @@
   <p:clrMapOvr>
     <a:masterClrMapping/>
   </p:clrMapOvr>
+  <p:timing>
+    <p:tnLst>
+      <p:par>
+        <p:cTn id="1" dur="indefinite" restart="never" nodeType="tmRoot"/>
+      </p:par>
+    </p:tnLst>
+  </p:timing>
 </p:sld>
 </file>
 
@@ -7482,7 +7341,7 @@
           <p:cNvPr id="3" name="TextBox 2">
             <a:extLst>
               <a:ext uri="{FF2B5EF4-FFF2-40B4-BE49-F238E27FC236}">
-                <a16:creationId xmlns="" xmlns:a16="http://schemas.microsoft.com/office/drawing/2014/main" id="{3E2E1950-4726-44D2-BDB1-8F9A5C6D18B9}"/>
+                <a16:creationId xmlns:a16="http://schemas.microsoft.com/office/drawing/2014/main" xmlns="" id="{3E2E1950-4726-44D2-BDB1-8F9A5C6D18B9}"/>
               </a:ext>
             </a:extLst>
           </p:cNvPr>
@@ -7491,8 +7350,8 @@
         </p:nvSpPr>
         <p:spPr>
           <a:xfrm>
-            <a:off x="983432" y="2150854"/>
-            <a:ext cx="10441160" cy="2862322"/>
+            <a:off x="479376" y="1052736"/>
+            <a:ext cx="11305256" cy="4708981"/>
           </a:xfrm>
           <a:prstGeom prst="rect">
             <a:avLst/>
@@ -7505,45 +7364,183 @@
           </a:bodyPr>
           <a:lstStyle/>
           <a:p>
-            <a:pPr algn="just">
-              <a:lnSpc>
-                <a:spcPct val="150000"/>
-              </a:lnSpc>
-            </a:pPr>
+            <a:pPr algn="just"/>
+            <a:r>
+              <a:rPr lang="ru-RU" sz="2000" b="1" dirty="0">
+                <a:latin typeface="Times New Roman" panose="02020603050405020304" pitchFamily="18" charset="0"/>
+                <a:cs typeface="Times New Roman" panose="02020603050405020304" pitchFamily="18" charset="0"/>
+              </a:rPr>
+              <a:t>В труднодоступных или опасных местах</a:t>
+            </a:r>
+            <a:r>
+              <a:rPr lang="ru-RU" sz="2000" b="1" dirty="0" smtClean="0">
+                <a:latin typeface="Times New Roman" panose="02020603050405020304" pitchFamily="18" charset="0"/>
+                <a:cs typeface="Times New Roman" panose="02020603050405020304" pitchFamily="18" charset="0"/>
+              </a:rPr>
+              <a:t>:</a:t>
+            </a:r>
+            <a:endParaRPr lang="en-US" sz="2000" b="1" dirty="0" smtClean="0">
+              <a:latin typeface="Times New Roman" panose="02020603050405020304" pitchFamily="18" charset="0"/>
+              <a:cs typeface="Times New Roman" panose="02020603050405020304" pitchFamily="18" charset="0"/>
+            </a:endParaRPr>
+          </a:p>
+          <a:p>
+            <a:pPr algn="just"/>
+            <a:r>
+              <a:rPr lang="ru-RU" sz="2000" dirty="0" smtClean="0">
+                <a:latin typeface="Times New Roman" panose="02020603050405020304" pitchFamily="18" charset="0"/>
+                <a:cs typeface="Times New Roman" panose="02020603050405020304" pitchFamily="18" charset="0"/>
+              </a:rPr>
+              <a:t>Машина может попасть в зоны, куда человек не может добраться, такие как узкие проходы, подземные пространства или зоны с радиационным загрязнением.</a:t>
+            </a:r>
+          </a:p>
+          <a:p>
+            <a:pPr algn="just"/>
+            <a:endParaRPr lang="en-US" sz="2000" b="1" dirty="0" smtClean="0">
+              <a:latin typeface="Times New Roman" panose="02020603050405020304" pitchFamily="18" charset="0"/>
+              <a:cs typeface="Times New Roman" panose="02020603050405020304" pitchFamily="18" charset="0"/>
+            </a:endParaRPr>
+          </a:p>
+          <a:p>
+            <a:pPr algn="just"/>
+            <a:r>
+              <a:rPr lang="ru-RU" sz="2000" b="1" dirty="0" smtClean="0">
+                <a:latin typeface="Times New Roman" panose="02020603050405020304" pitchFamily="18" charset="0"/>
+                <a:cs typeface="Times New Roman" panose="02020603050405020304" pitchFamily="18" charset="0"/>
+              </a:rPr>
+              <a:t>В экстремальных условиях:</a:t>
+            </a:r>
+            <a:endParaRPr lang="en-US" sz="2000" b="1" dirty="0" smtClean="0">
+              <a:latin typeface="Times New Roman" panose="02020603050405020304" pitchFamily="18" charset="0"/>
+              <a:cs typeface="Times New Roman" panose="02020603050405020304" pitchFamily="18" charset="0"/>
+            </a:endParaRPr>
+          </a:p>
+          <a:p>
+            <a:pPr algn="just"/>
+            <a:r>
+              <a:rPr lang="ru-RU" sz="2000" dirty="0" smtClean="0">
+                <a:latin typeface="Times New Roman" panose="02020603050405020304" pitchFamily="18" charset="0"/>
+                <a:cs typeface="Times New Roman" panose="02020603050405020304" pitchFamily="18" charset="0"/>
+              </a:rPr>
+              <a:t>Машина работает в зонах с высоким риском, например, в местах с огнем, химическими загрязнениями или природными катастрофами.</a:t>
+            </a:r>
+          </a:p>
+          <a:p>
+            <a:pPr algn="just"/>
+            <a:endParaRPr lang="en-US" sz="2000" b="1" dirty="0" smtClean="0">
+              <a:latin typeface="Times New Roman" panose="02020603050405020304" pitchFamily="18" charset="0"/>
+              <a:cs typeface="Times New Roman" panose="02020603050405020304" pitchFamily="18" charset="0"/>
+            </a:endParaRPr>
+          </a:p>
+          <a:p>
+            <a:pPr algn="just"/>
+            <a:r>
+              <a:rPr lang="ru-RU" sz="2000" b="1" dirty="0" smtClean="0">
+                <a:latin typeface="Times New Roman" panose="02020603050405020304" pitchFamily="18" charset="0"/>
+                <a:cs typeface="Times New Roman" panose="02020603050405020304" pitchFamily="18" charset="0"/>
+              </a:rPr>
+              <a:t>Мониторинг </a:t>
+            </a:r>
+            <a:r>
+              <a:rPr lang="ru-RU" sz="2000" b="1" dirty="0">
+                <a:latin typeface="Times New Roman" panose="02020603050405020304" pitchFamily="18" charset="0"/>
+                <a:cs typeface="Times New Roman" panose="02020603050405020304" pitchFamily="18" charset="0"/>
+              </a:rPr>
+              <a:t>температуры и давления</a:t>
+            </a:r>
+            <a:r>
+              <a:rPr lang="ru-RU" sz="2000" b="1" dirty="0" smtClean="0">
+                <a:latin typeface="Times New Roman" panose="02020603050405020304" pitchFamily="18" charset="0"/>
+                <a:cs typeface="Times New Roman" panose="02020603050405020304" pitchFamily="18" charset="0"/>
+              </a:rPr>
+              <a:t>:</a:t>
+            </a:r>
+            <a:endParaRPr lang="en-US" sz="2000" b="1" dirty="0" smtClean="0">
+              <a:latin typeface="Times New Roman" panose="02020603050405020304" pitchFamily="18" charset="0"/>
+              <a:cs typeface="Times New Roman" panose="02020603050405020304" pitchFamily="18" charset="0"/>
+            </a:endParaRPr>
+          </a:p>
+          <a:p>
+            <a:pPr algn="just"/>
+            <a:r>
+              <a:rPr lang="ru-RU" sz="2000" dirty="0" smtClean="0">
+                <a:latin typeface="Times New Roman" panose="02020603050405020304" pitchFamily="18" charset="0"/>
+                <a:cs typeface="Times New Roman" panose="02020603050405020304" pitchFamily="18" charset="0"/>
+              </a:rPr>
+              <a:t>Возможность </a:t>
+            </a:r>
             <a:r>
               <a:rPr lang="ru-RU" sz="2000" dirty="0">
                 <a:latin typeface="Times New Roman" panose="02020603050405020304" pitchFamily="18" charset="0"/>
                 <a:cs typeface="Times New Roman" panose="02020603050405020304" pitchFamily="18" charset="0"/>
               </a:rPr>
-              <a:t>В результате выполнения выпускной квалификационной работы был разработан мини робот-электромобиль, оснащённый камерой, ультразвуковыми и инфракрасными сенсорами для анализа окружающей среды. Робот способен собирать данные о физических и экологических параметрах, таких как загрязнение воздуха, воды и температура, и работать в реальных условиях. Создано приложение на </a:t>
-            </a:r>
-            <a:r>
-              <a:rPr lang="ru-RU" sz="2000" dirty="0" err="1">
-                <a:latin typeface="Times New Roman" panose="02020603050405020304" pitchFamily="18" charset="0"/>
-                <a:cs typeface="Times New Roman" panose="02020603050405020304" pitchFamily="18" charset="0"/>
-              </a:rPr>
-              <a:t>Python</a:t>
+              <a:t>работы в местах с высокими температурами или низким давлением, где нахождение человека опасно.</a:t>
+            </a:r>
+          </a:p>
+          <a:p>
+            <a:pPr algn="just"/>
+            <a:endParaRPr lang="en-US" sz="2000" b="1" dirty="0" smtClean="0">
+              <a:latin typeface="Times New Roman" panose="02020603050405020304" pitchFamily="18" charset="0"/>
+              <a:cs typeface="Times New Roman" panose="02020603050405020304" pitchFamily="18" charset="0"/>
+            </a:endParaRPr>
+          </a:p>
+          <a:p>
+            <a:pPr algn="just"/>
+            <a:r>
+              <a:rPr lang="ru-RU" sz="2000" b="1" dirty="0" smtClean="0">
+                <a:latin typeface="Times New Roman" panose="02020603050405020304" pitchFamily="18" charset="0"/>
+                <a:cs typeface="Times New Roman" panose="02020603050405020304" pitchFamily="18" charset="0"/>
+              </a:rPr>
+              <a:t>Мониторинг </a:t>
+            </a:r>
+            <a:r>
+              <a:rPr lang="ru-RU" sz="2000" b="1" dirty="0">
+                <a:latin typeface="Times New Roman" panose="02020603050405020304" pitchFamily="18" charset="0"/>
+                <a:cs typeface="Times New Roman" panose="02020603050405020304" pitchFamily="18" charset="0"/>
+              </a:rPr>
+              <a:t>больших территорий</a:t>
+            </a:r>
+            <a:r>
+              <a:rPr lang="ru-RU" sz="2000" b="1" dirty="0" smtClean="0">
+                <a:latin typeface="Times New Roman" panose="02020603050405020304" pitchFamily="18" charset="0"/>
+                <a:cs typeface="Times New Roman" panose="02020603050405020304" pitchFamily="18" charset="0"/>
+              </a:rPr>
+              <a:t>:</a:t>
+            </a:r>
+            <a:endParaRPr lang="en-US" sz="2000" b="1" dirty="0" smtClean="0">
+              <a:latin typeface="Times New Roman" panose="02020603050405020304" pitchFamily="18" charset="0"/>
+              <a:cs typeface="Times New Roman" panose="02020603050405020304" pitchFamily="18" charset="0"/>
+            </a:endParaRPr>
+          </a:p>
+          <a:p>
+            <a:pPr algn="just"/>
+            <a:r>
+              <a:rPr lang="ru-RU" sz="2000" dirty="0" smtClean="0">
+                <a:latin typeface="Times New Roman" panose="02020603050405020304" pitchFamily="18" charset="0"/>
+                <a:cs typeface="Times New Roman" panose="02020603050405020304" pitchFamily="18" charset="0"/>
+              </a:rPr>
+              <a:t>Машина </a:t>
             </a:r>
             <a:r>
               <a:rPr lang="ru-RU" sz="2000" dirty="0">
                 <a:latin typeface="Times New Roman" panose="02020603050405020304" pitchFamily="18" charset="0"/>
                 <a:cs typeface="Times New Roman" panose="02020603050405020304" pitchFamily="18" charset="0"/>
               </a:rPr>
-              <a:t> для удалённого управления роботом через </a:t>
-            </a:r>
-            <a:r>
-              <a:rPr lang="ru-RU" sz="2000" dirty="0" err="1">
-                <a:latin typeface="Times New Roman" panose="02020603050405020304" pitchFamily="18" charset="0"/>
-                <a:cs typeface="Times New Roman" panose="02020603050405020304" pitchFamily="18" charset="0"/>
-              </a:rPr>
-              <a:t>Bluetooth</a:t>
+              <a:t>может перемещаться по большим территориям для анализа окружающей среды, например, в </a:t>
+            </a:r>
+            <a:r>
+              <a:rPr lang="ru-RU" sz="2000" dirty="0" smtClean="0">
+                <a:latin typeface="Times New Roman" panose="02020603050405020304" pitchFamily="18" charset="0"/>
+                <a:cs typeface="Times New Roman" panose="02020603050405020304" pitchFamily="18" charset="0"/>
+              </a:rPr>
+              <a:t>на </a:t>
             </a:r>
             <a:r>
               <a:rPr lang="ru-RU" sz="2000" dirty="0">
                 <a:latin typeface="Times New Roman" panose="02020603050405020304" pitchFamily="18" charset="0"/>
                 <a:cs typeface="Times New Roman" panose="02020603050405020304" pitchFamily="18" charset="0"/>
               </a:rPr>
-              <a:t>.</a:t>
+              <a:t>промышленных объектах.</a:t>
             </a:r>
           </a:p>
         </p:txBody>
@@ -7587,12 +7584,10 @@
           <a:lstStyle/>
           <a:p>
             <a:pPr algn="ctr"/>
-            <a:endParaRPr lang="ru-RU" sz="2000" dirty="0">
+            <a:endParaRPr lang="ru-RU" dirty="0">
               <a:solidFill>
                 <a:prstClr val="white"/>
               </a:solidFill>
-              <a:latin typeface="Times New Roman" panose="02020603050405020304" pitchFamily="18" charset="0"/>
-              <a:cs typeface="Times New Roman" panose="02020603050405020304" pitchFamily="18" charset="0"/>
             </a:endParaRPr>
           </a:p>
         </p:txBody>
@@ -7665,12 +7660,10 @@
           <a:lstStyle/>
           <a:p>
             <a:pPr algn="ctr"/>
-            <a:endParaRPr lang="ru-RU" sz="2000" dirty="0">
+            <a:endParaRPr lang="ru-RU" dirty="0">
               <a:solidFill>
                 <a:prstClr val="white"/>
               </a:solidFill>
-              <a:latin typeface="Times New Roman" panose="02020603050405020304" pitchFamily="18" charset="0"/>
-              <a:cs typeface="Times New Roman" panose="02020603050405020304" pitchFamily="18" charset="0"/>
             </a:endParaRPr>
           </a:p>
         </p:txBody>
@@ -7683,8 +7676,8 @@
         </p:nvSpPr>
         <p:spPr>
           <a:xfrm>
-            <a:off x="5300012" y="258862"/>
-            <a:ext cx="1591974" cy="400110"/>
+            <a:off x="3951660" y="258862"/>
+            <a:ext cx="4944815" cy="461665"/>
           </a:xfrm>
           <a:prstGeom prst="rect">
             <a:avLst/>
@@ -7697,29 +7690,58 @@
           <a:lstStyle/>
           <a:p>
             <a:r>
-              <a:rPr lang="ru-RU" sz="2000" b="1" dirty="0" smtClean="0">
-                <a:latin typeface="Times New Roman" panose="02020603050405020304" pitchFamily="18" charset="0"/>
-                <a:cs typeface="Times New Roman" panose="02020603050405020304" pitchFamily="18" charset="0"/>
-              </a:rPr>
-              <a:t>Заключение</a:t>
-            </a:r>
-            <a:endParaRPr lang="ru-RU" sz="2000" b="1" dirty="0">
-              <a:latin typeface="Times New Roman" panose="02020603050405020304" pitchFamily="18" charset="0"/>
-              <a:cs typeface="Times New Roman" panose="02020603050405020304" pitchFamily="18" charset="0"/>
-            </a:endParaRPr>
+              <a:rPr lang="ru-RU" sz="2400" b="1" dirty="0" smtClean="0">
+                <a:latin typeface="Times New Roman" pitchFamily="18" charset="0"/>
+                <a:ea typeface="Verdana" pitchFamily="34" charset="0"/>
+                <a:cs typeface="Times New Roman" pitchFamily="18" charset="0"/>
+              </a:rPr>
+              <a:t>Где </a:t>
+            </a:r>
+            <a:r>
+              <a:rPr lang="ru-RU" sz="2400" b="1" dirty="0">
+                <a:latin typeface="Times New Roman" pitchFamily="18" charset="0"/>
+                <a:ea typeface="Verdana" pitchFamily="34" charset="0"/>
+                <a:cs typeface="Times New Roman" pitchFamily="18" charset="0"/>
+              </a:rPr>
+              <a:t>можно использовать </a:t>
+            </a:r>
+            <a:r>
+              <a:rPr lang="ru-RU" sz="2400" b="1" dirty="0" smtClean="0">
+                <a:latin typeface="Times New Roman" pitchFamily="18" charset="0"/>
+                <a:ea typeface="Verdana" pitchFamily="34" charset="0"/>
+                <a:cs typeface="Times New Roman" pitchFamily="18" charset="0"/>
+              </a:rPr>
+              <a:t>машину</a:t>
+            </a:r>
+            <a:r>
+              <a:rPr lang="en-US" sz="2400" b="1" dirty="0" smtClean="0">
+                <a:latin typeface="Times New Roman" pitchFamily="18" charset="0"/>
+                <a:ea typeface="Verdana" pitchFamily="34" charset="0"/>
+                <a:cs typeface="Times New Roman" pitchFamily="18" charset="0"/>
+              </a:rPr>
+              <a:t>?</a:t>
+            </a:r>
+            <a:endParaRPr lang="ru-RU" sz="2400" dirty="0"/>
           </a:p>
         </p:txBody>
       </p:sp>
     </p:spTree>
     <p:extLst>
       <p:ext uri="{BB962C8B-B14F-4D97-AF65-F5344CB8AC3E}">
-        <p14:creationId xmlns:p14="http://schemas.microsoft.com/office/powerpoint/2010/main" val="2074278693"/>
+        <p14:creationId xmlns:p14="http://schemas.microsoft.com/office/powerpoint/2010/main" val="437313465"/>
       </p:ext>
     </p:extLst>
   </p:cSld>
   <p:clrMapOvr>
     <a:masterClrMapping/>
   </p:clrMapOvr>
+  <p:timing>
+    <p:tnLst>
+      <p:par>
+        <p:cTn id="1" dur="indefinite" restart="never" nodeType="tmRoot"/>
+      </p:par>
+    </p:tnLst>
+  </p:timing>
 </p:sld>
 </file>
 
@@ -7742,7 +7764,135 @@
       </p:grpSpPr>
       <p:sp>
         <p:nvSpPr>
-          <p:cNvPr id="17" name="Прямоугольник 16"/>
+          <p:cNvPr id="3" name="TextBox 2">
+            <a:extLst>
+              <a:ext uri="{FF2B5EF4-FFF2-40B4-BE49-F238E27FC236}">
+                <a16:creationId xmlns:a16="http://schemas.microsoft.com/office/drawing/2014/main" xmlns="" id="{3E2E1950-4726-44D2-BDB1-8F9A5C6D18B9}"/>
+              </a:ext>
+            </a:extLst>
+          </p:cNvPr>
+          <p:cNvSpPr txBox="1"/>
+          <p:nvPr/>
+        </p:nvSpPr>
+        <p:spPr>
+          <a:xfrm>
+            <a:off x="479376" y="1457489"/>
+            <a:ext cx="5472608" cy="1323439"/>
+          </a:xfrm>
+          <a:prstGeom prst="rect">
+            <a:avLst/>
+          </a:prstGeom>
+          <a:noFill/>
+        </p:spPr>
+        <p:txBody>
+          <a:bodyPr wrap="square">
+            <a:spAutoFit/>
+          </a:bodyPr>
+          <a:lstStyle/>
+          <a:p>
+            <a:pPr algn="just"/>
+            <a:r>
+              <a:rPr lang="ru-RU" sz="2000" dirty="0" smtClean="0">
+                <a:latin typeface="Times New Roman" panose="02020603050405020304" pitchFamily="18" charset="0"/>
+                <a:cs typeface="Times New Roman" panose="02020603050405020304" pitchFamily="18" charset="0"/>
+              </a:rPr>
+              <a:t>Всего </a:t>
+            </a:r>
+            <a:r>
+              <a:rPr lang="ru-RU" sz="2000" dirty="0">
+                <a:latin typeface="Times New Roman" panose="02020603050405020304" pitchFamily="18" charset="0"/>
+                <a:cs typeface="Times New Roman" panose="02020603050405020304" pitchFamily="18" charset="0"/>
+              </a:rPr>
+              <a:t>по ВКР опубликовано </a:t>
+            </a:r>
+            <a:r>
+              <a:rPr lang="ru-RU" sz="2000" dirty="0" smtClean="0">
+                <a:latin typeface="Times New Roman" panose="02020603050405020304" pitchFamily="18" charset="0"/>
+                <a:cs typeface="Times New Roman" panose="02020603050405020304" pitchFamily="18" charset="0"/>
+              </a:rPr>
+              <a:t>2 </a:t>
+            </a:r>
+            <a:r>
+              <a:rPr lang="ru-RU" sz="2000" dirty="0">
+                <a:latin typeface="Times New Roman" panose="02020603050405020304" pitchFamily="18" charset="0"/>
+                <a:cs typeface="Times New Roman" panose="02020603050405020304" pitchFamily="18" charset="0"/>
+              </a:rPr>
+              <a:t>научных работ, из них 1 в журнальных изданиях. </a:t>
+            </a:r>
+            <a:endParaRPr lang="en-US" sz="2000" dirty="0" smtClean="0">
+              <a:latin typeface="Times New Roman" panose="02020603050405020304" pitchFamily="18" charset="0"/>
+              <a:cs typeface="Times New Roman" panose="02020603050405020304" pitchFamily="18" charset="0"/>
+            </a:endParaRPr>
+          </a:p>
+          <a:p>
+            <a:pPr algn="just"/>
+            <a:r>
+              <a:rPr lang="ru-RU" sz="2000" dirty="0" smtClean="0">
+                <a:latin typeface="Times New Roman" panose="02020603050405020304" pitchFamily="18" charset="0"/>
+                <a:cs typeface="Times New Roman" panose="02020603050405020304" pitchFamily="18" charset="0"/>
+              </a:rPr>
+              <a:t>Получено </a:t>
+            </a:r>
+            <a:r>
+              <a:rPr lang="ru-RU" sz="2000" dirty="0">
+                <a:latin typeface="Times New Roman" panose="02020603050405020304" pitchFamily="18" charset="0"/>
+                <a:cs typeface="Times New Roman" panose="02020603050405020304" pitchFamily="18" charset="0"/>
+              </a:rPr>
+              <a:t>1 свидетельство об официальной регистрации программы для ЭВМ</a:t>
+            </a:r>
+          </a:p>
+        </p:txBody>
+      </p:sp>
+      <p:sp>
+        <p:nvSpPr>
+          <p:cNvPr id="4" name="Прямоугольник 3"/>
+          <p:cNvSpPr/>
+          <p:nvPr/>
+        </p:nvSpPr>
+        <p:spPr>
+          <a:xfrm>
+            <a:off x="0" y="804158"/>
+            <a:ext cx="12191999" cy="19389"/>
+          </a:xfrm>
+          <a:prstGeom prst="rect">
+            <a:avLst/>
+          </a:prstGeom>
+          <a:solidFill>
+            <a:srgbClr val="C00000"/>
+          </a:solidFill>
+        </p:spPr>
+        <p:style>
+          <a:lnRef idx="2">
+            <a:schemeClr val="accent1">
+              <a:shade val="50000"/>
+            </a:schemeClr>
+          </a:lnRef>
+          <a:fillRef idx="1">
+            <a:schemeClr val="accent1"/>
+          </a:fillRef>
+          <a:effectRef idx="0">
+            <a:schemeClr val="accent1"/>
+          </a:effectRef>
+          <a:fontRef idx="minor">
+            <a:schemeClr val="lt1"/>
+          </a:fontRef>
+        </p:style>
+        <p:txBody>
+          <a:bodyPr rtlCol="0" anchor="ctr"/>
+          <a:lstStyle/>
+          <a:p>
+            <a:pPr algn="ctr"/>
+            <a:endParaRPr lang="ru-RU" dirty="0">
+              <a:solidFill>
+                <a:prstClr val="white"/>
+              </a:solidFill>
+            </a:endParaRPr>
+          </a:p>
+        </p:txBody>
+      </p:sp>
+      <p:sp>
+        <p:nvSpPr>
+          <p:cNvPr id="5" name="Прямоугольник 4"/>
           <p:cNvSpPr/>
           <p:nvPr/>
         </p:nvSpPr>
@@ -7818,10 +7968,475 @@
       </p:sp>
       <p:sp>
         <p:nvSpPr>
+          <p:cNvPr id="6" name="Прямоугольник 5"/>
+          <p:cNvSpPr/>
+          <p:nvPr/>
+        </p:nvSpPr>
+        <p:spPr>
+          <a:xfrm>
+            <a:off x="0" y="188640"/>
+            <a:ext cx="12191999" cy="707886"/>
+          </a:xfrm>
+          <a:prstGeom prst="rect">
+            <a:avLst/>
+          </a:prstGeom>
+        </p:spPr>
+        <p:txBody>
+          <a:bodyPr wrap="square">
+            <a:spAutoFit/>
+          </a:bodyPr>
+          <a:lstStyle/>
+          <a:p>
+            <a:pPr algn="ctr"/>
+            <a:r>
+              <a:rPr lang="ru-RU" sz="2000" b="1" dirty="0">
+                <a:latin typeface="Times New Roman" pitchFamily="18" charset="0"/>
+                <a:ea typeface="Verdana" pitchFamily="34" charset="0"/>
+                <a:cs typeface="Times New Roman" pitchFamily="18" charset="0"/>
+              </a:rPr>
+              <a:t>Публикация результатов Выпускной Квалификационной Работы</a:t>
+            </a:r>
+            <a:br>
+              <a:rPr lang="ru-RU" sz="2000" b="1" dirty="0">
+                <a:latin typeface="Times New Roman" pitchFamily="18" charset="0"/>
+                <a:ea typeface="Verdana" pitchFamily="34" charset="0"/>
+                <a:cs typeface="Times New Roman" pitchFamily="18" charset="0"/>
+              </a:rPr>
+            </a:br>
+            <a:endParaRPr lang="ru-RU" sz="2000" dirty="0"/>
+          </a:p>
+        </p:txBody>
+      </p:sp>
+      <p:pic>
+        <p:nvPicPr>
+          <p:cNvPr id="7" name="Picture 2" descr="C:\Users\User\Downloads\№_DGU_46576_Atrof_muhitni_tahlil_qilish_uchun_aqlli_mini_robot_elektr_page-0001.jpg"/>
+          <p:cNvPicPr>
+            <a:picLocks noChangeAspect="1" noChangeArrowheads="1"/>
+          </p:cNvPicPr>
+          <p:nvPr/>
+        </p:nvPicPr>
+        <p:blipFill>
+          <a:blip r:embed="rId2" cstate="print">
+            <a:extLst>
+              <a:ext uri="{28A0092B-C50C-407E-A947-70E740481C1C}">
+                <a14:useLocalDpi xmlns:a14="http://schemas.microsoft.com/office/drawing/2010/main" val="0"/>
+              </a:ext>
+            </a:extLst>
+          </a:blip>
+          <a:srcRect/>
+          <a:stretch>
+            <a:fillRect/>
+          </a:stretch>
+        </p:blipFill>
+        <p:spPr bwMode="auto">
+          <a:xfrm>
+            <a:off x="7392144" y="1052736"/>
+            <a:ext cx="3744416" cy="5296537"/>
+          </a:xfrm>
+          <a:prstGeom prst="rect">
+            <a:avLst/>
+          </a:prstGeom>
+          <a:noFill/>
+          <a:extLst>
+            <a:ext uri="{909E8E84-426E-40DD-AFC4-6F175D3DCCD1}">
+              <a14:hiddenFill xmlns:a14="http://schemas.microsoft.com/office/drawing/2010/main">
+                <a:solidFill>
+                  <a:srgbClr val="FFFFFF"/>
+                </a:solidFill>
+              </a14:hiddenFill>
+            </a:ext>
+          </a:extLst>
+        </p:spPr>
+      </p:pic>
+    </p:spTree>
+    <p:extLst>
+      <p:ext uri="{BB962C8B-B14F-4D97-AF65-F5344CB8AC3E}">
+        <p14:creationId xmlns:p14="http://schemas.microsoft.com/office/powerpoint/2010/main" val="2794662217"/>
+      </p:ext>
+    </p:extLst>
+  </p:cSld>
+  <p:clrMapOvr>
+    <a:masterClrMapping/>
+  </p:clrMapOvr>
+  <p:timing>
+    <p:tnLst>
+      <p:par>
+        <p:cTn id="1" dur="indefinite" restart="never" nodeType="tmRoot"/>
+      </p:par>
+    </p:tnLst>
+  </p:timing>
+</p:sld>
+</file>
+
+<file path=ppt/slides/slide15.xml><?xml version="1.0" encoding="utf-8"?>
+<p:sld xmlns:a="http://schemas.openxmlformats.org/drawingml/2006/main" xmlns:r="http://schemas.openxmlformats.org/officeDocument/2006/relationships" xmlns:p="http://schemas.openxmlformats.org/presentationml/2006/main">
+  <p:cSld>
+    <p:spTree>
+      <p:nvGrpSpPr>
+        <p:cNvPr id="1" name=""/>
+        <p:cNvGrpSpPr/>
+        <p:nvPr/>
+      </p:nvGrpSpPr>
+      <p:grpSpPr>
+        <a:xfrm>
+          <a:off x="0" y="0"/>
+          <a:ext cx="0" cy="0"/>
+          <a:chOff x="0" y="0"/>
+          <a:chExt cx="0" cy="0"/>
+        </a:xfrm>
+      </p:grpSpPr>
+      <p:sp>
+        <p:nvSpPr>
+          <p:cNvPr id="3" name="TextBox 2">
+            <a:extLst>
+              <a:ext uri="{FF2B5EF4-FFF2-40B4-BE49-F238E27FC236}">
+                <a16:creationId xmlns:a16="http://schemas.microsoft.com/office/drawing/2014/main" xmlns="" id="{3E2E1950-4726-44D2-BDB1-8F9A5C6D18B9}"/>
+              </a:ext>
+            </a:extLst>
+          </p:cNvPr>
+          <p:cNvSpPr txBox="1"/>
+          <p:nvPr/>
+        </p:nvSpPr>
+        <p:spPr>
+          <a:xfrm>
+            <a:off x="983432" y="2150854"/>
+            <a:ext cx="10441160" cy="2862322"/>
+          </a:xfrm>
+          <a:prstGeom prst="rect">
+            <a:avLst/>
+          </a:prstGeom>
+          <a:noFill/>
+        </p:spPr>
+        <p:txBody>
+          <a:bodyPr wrap="square">
+            <a:spAutoFit/>
+          </a:bodyPr>
+          <a:lstStyle/>
+          <a:p>
+            <a:pPr algn="just">
+              <a:lnSpc>
+                <a:spcPct val="150000"/>
+              </a:lnSpc>
+            </a:pPr>
+            <a:r>
+              <a:rPr lang="ru-RU" sz="2000" dirty="0">
+                <a:latin typeface="Times New Roman" panose="02020603050405020304" pitchFamily="18" charset="0"/>
+                <a:cs typeface="Times New Roman" panose="02020603050405020304" pitchFamily="18" charset="0"/>
+              </a:rPr>
+              <a:t>В результате выполнения выпускной квалификационной работы был разработан мини робот-электромобиль, оснащённый камерой, ультразвуковыми и инфракрасными сенсорами для анализа окружающей среды. Робот способен собирать данные о физических и экологических параметрах, таких как загрязнение воздуха, воды и температура, и работать в реальных условиях. Создано приложение на </a:t>
+            </a:r>
+            <a:r>
+              <a:rPr lang="ru-RU" sz="2000" dirty="0" err="1">
+                <a:latin typeface="Times New Roman" panose="02020603050405020304" pitchFamily="18" charset="0"/>
+                <a:cs typeface="Times New Roman" panose="02020603050405020304" pitchFamily="18" charset="0"/>
+              </a:rPr>
+              <a:t>Python</a:t>
+            </a:r>
+            <a:r>
+              <a:rPr lang="ru-RU" sz="2000" dirty="0">
+                <a:latin typeface="Times New Roman" panose="02020603050405020304" pitchFamily="18" charset="0"/>
+                <a:cs typeface="Times New Roman" panose="02020603050405020304" pitchFamily="18" charset="0"/>
+              </a:rPr>
+              <a:t> для удалённого управления роботом через </a:t>
+            </a:r>
+            <a:r>
+              <a:rPr lang="ru-RU" sz="2000" dirty="0" err="1">
+                <a:latin typeface="Times New Roman" panose="02020603050405020304" pitchFamily="18" charset="0"/>
+                <a:cs typeface="Times New Roman" panose="02020603050405020304" pitchFamily="18" charset="0"/>
+              </a:rPr>
+              <a:t>Bluetooth</a:t>
+            </a:r>
+            <a:r>
+              <a:rPr lang="ru-RU" sz="2000" dirty="0">
+                <a:latin typeface="Times New Roman" panose="02020603050405020304" pitchFamily="18" charset="0"/>
+                <a:cs typeface="Times New Roman" panose="02020603050405020304" pitchFamily="18" charset="0"/>
+              </a:rPr>
+              <a:t>.</a:t>
+            </a:r>
+          </a:p>
+        </p:txBody>
+      </p:sp>
+      <p:sp>
+        <p:nvSpPr>
+          <p:cNvPr id="4" name="Прямоугольник 3"/>
+          <p:cNvSpPr/>
+          <p:nvPr/>
+        </p:nvSpPr>
+        <p:spPr>
+          <a:xfrm>
+            <a:off x="0" y="804158"/>
+            <a:ext cx="12191999" cy="19389"/>
+          </a:xfrm>
+          <a:prstGeom prst="rect">
+            <a:avLst/>
+          </a:prstGeom>
+          <a:solidFill>
+            <a:srgbClr val="C00000"/>
+          </a:solidFill>
+        </p:spPr>
+        <p:style>
+          <a:lnRef idx="2">
+            <a:schemeClr val="accent1">
+              <a:shade val="50000"/>
+            </a:schemeClr>
+          </a:lnRef>
+          <a:fillRef idx="1">
+            <a:schemeClr val="accent1"/>
+          </a:fillRef>
+          <a:effectRef idx="0">
+            <a:schemeClr val="accent1"/>
+          </a:effectRef>
+          <a:fontRef idx="minor">
+            <a:schemeClr val="lt1"/>
+          </a:fontRef>
+        </p:style>
+        <p:txBody>
+          <a:bodyPr rtlCol="0" anchor="ctr"/>
+          <a:lstStyle/>
+          <a:p>
+            <a:pPr algn="ctr"/>
+            <a:endParaRPr lang="ru-RU" sz="2000" dirty="0">
+              <a:solidFill>
+                <a:prstClr val="white"/>
+              </a:solidFill>
+              <a:latin typeface="Times New Roman" panose="02020603050405020304" pitchFamily="18" charset="0"/>
+              <a:cs typeface="Times New Roman" panose="02020603050405020304" pitchFamily="18" charset="0"/>
+            </a:endParaRPr>
+          </a:p>
+        </p:txBody>
+      </p:sp>
+      <p:sp>
+        <p:nvSpPr>
+          <p:cNvPr id="5" name="Прямоугольник 4"/>
+          <p:cNvSpPr/>
+          <p:nvPr/>
+        </p:nvSpPr>
+        <p:spPr>
+          <a:xfrm>
+            <a:off x="0" y="6554826"/>
+            <a:ext cx="12191999" cy="288032"/>
+          </a:xfrm>
+          <a:prstGeom prst="rect">
+            <a:avLst/>
+          </a:prstGeom>
+          <a:gradFill flip="none" rotWithShape="1">
+            <a:gsLst>
+              <a:gs pos="38000">
+                <a:schemeClr val="accent1">
+                  <a:shade val="30000"/>
+                  <a:satMod val="115000"/>
+                </a:schemeClr>
+              </a:gs>
+              <a:gs pos="75000">
+                <a:schemeClr val="accent1">
+                  <a:shade val="67500"/>
+                  <a:satMod val="115000"/>
+                </a:schemeClr>
+              </a:gs>
+              <a:gs pos="100000">
+                <a:schemeClr val="bg2"/>
+              </a:gs>
+            </a:gsLst>
+            <a:lin ang="0" scaled="1"/>
+            <a:tileRect/>
+          </a:gradFill>
+          <a:ln>
+            <a:noFill/>
+          </a:ln>
+          <a:effectLst>
+            <a:outerShdw blurRad="152400" dist="317500" dir="5400000" sx="90000" sy="-19000" rotWithShape="0">
+              <a:prstClr val="black">
+                <a:alpha val="15000"/>
+              </a:prstClr>
+            </a:outerShdw>
+            <a:softEdge rad="31750"/>
+          </a:effectLst>
+        </p:spPr>
+        <p:style>
+          <a:lnRef idx="2">
+            <a:schemeClr val="accent1">
+              <a:shade val="50000"/>
+            </a:schemeClr>
+          </a:lnRef>
+          <a:fillRef idx="1">
+            <a:schemeClr val="accent1"/>
+          </a:fillRef>
+          <a:effectRef idx="0">
+            <a:schemeClr val="accent1"/>
+          </a:effectRef>
+          <a:fontRef idx="minor">
+            <a:schemeClr val="lt1"/>
+          </a:fontRef>
+        </p:style>
+        <p:txBody>
+          <a:bodyPr rtlCol="0" anchor="ctr"/>
+          <a:lstStyle/>
+          <a:p>
+            <a:pPr algn="ctr"/>
+            <a:endParaRPr lang="ru-RU" sz="2000" dirty="0">
+              <a:solidFill>
+                <a:prstClr val="white"/>
+              </a:solidFill>
+              <a:latin typeface="Times New Roman" panose="02020603050405020304" pitchFamily="18" charset="0"/>
+              <a:cs typeface="Times New Roman" panose="02020603050405020304" pitchFamily="18" charset="0"/>
+            </a:endParaRPr>
+          </a:p>
+        </p:txBody>
+      </p:sp>
+      <p:sp>
+        <p:nvSpPr>
+          <p:cNvPr id="6" name="Прямоугольник 5"/>
+          <p:cNvSpPr/>
+          <p:nvPr/>
+        </p:nvSpPr>
+        <p:spPr>
+          <a:xfrm>
+            <a:off x="5300012" y="258862"/>
+            <a:ext cx="1591974" cy="400110"/>
+          </a:xfrm>
+          <a:prstGeom prst="rect">
+            <a:avLst/>
+          </a:prstGeom>
+        </p:spPr>
+        <p:txBody>
+          <a:bodyPr wrap="none">
+            <a:spAutoFit/>
+          </a:bodyPr>
+          <a:lstStyle/>
+          <a:p>
+            <a:r>
+              <a:rPr lang="ru-RU" sz="2000" b="1" dirty="0" smtClean="0">
+                <a:latin typeface="Times New Roman" panose="02020603050405020304" pitchFamily="18" charset="0"/>
+                <a:cs typeface="Times New Roman" panose="02020603050405020304" pitchFamily="18" charset="0"/>
+              </a:rPr>
+              <a:t>Заключение</a:t>
+            </a:r>
+            <a:endParaRPr lang="ru-RU" sz="2000" b="1" dirty="0">
+              <a:latin typeface="Times New Roman" panose="02020603050405020304" pitchFamily="18" charset="0"/>
+              <a:cs typeface="Times New Roman" panose="02020603050405020304" pitchFamily="18" charset="0"/>
+            </a:endParaRPr>
+          </a:p>
+        </p:txBody>
+      </p:sp>
+    </p:spTree>
+    <p:extLst>
+      <p:ext uri="{BB962C8B-B14F-4D97-AF65-F5344CB8AC3E}">
+        <p14:creationId xmlns:p14="http://schemas.microsoft.com/office/powerpoint/2010/main" val="2074278693"/>
+      </p:ext>
+    </p:extLst>
+  </p:cSld>
+  <p:clrMapOvr>
+    <a:masterClrMapping/>
+  </p:clrMapOvr>
+  <p:timing>
+    <p:tnLst>
+      <p:par>
+        <p:cTn id="1" dur="indefinite" restart="never" nodeType="tmRoot"/>
+      </p:par>
+    </p:tnLst>
+  </p:timing>
+</p:sld>
+</file>
+
+<file path=ppt/slides/slide16.xml><?xml version="1.0" encoding="utf-8"?>
+<p:sld xmlns:a="http://schemas.openxmlformats.org/drawingml/2006/main" xmlns:r="http://schemas.openxmlformats.org/officeDocument/2006/relationships" xmlns:p="http://schemas.openxmlformats.org/presentationml/2006/main">
+  <p:cSld>
+    <p:spTree>
+      <p:nvGrpSpPr>
+        <p:cNvPr id="1" name=""/>
+        <p:cNvGrpSpPr/>
+        <p:nvPr/>
+      </p:nvGrpSpPr>
+      <p:grpSpPr>
+        <a:xfrm>
+          <a:off x="0" y="0"/>
+          <a:ext cx="0" cy="0"/>
+          <a:chOff x="0" y="0"/>
+          <a:chExt cx="0" cy="0"/>
+        </a:xfrm>
+      </p:grpSpPr>
+      <p:sp>
+        <p:nvSpPr>
+          <p:cNvPr id="17" name="Прямоугольник 16"/>
+          <p:cNvSpPr/>
+          <p:nvPr/>
+        </p:nvSpPr>
+        <p:spPr>
+          <a:xfrm>
+            <a:off x="0" y="6554826"/>
+            <a:ext cx="12191999" cy="288032"/>
+          </a:xfrm>
+          <a:prstGeom prst="rect">
+            <a:avLst/>
+          </a:prstGeom>
+          <a:gradFill flip="none" rotWithShape="1">
+            <a:gsLst>
+              <a:gs pos="38000">
+                <a:schemeClr val="accent1">
+                  <a:shade val="30000"/>
+                  <a:satMod val="115000"/>
+                </a:schemeClr>
+              </a:gs>
+              <a:gs pos="75000">
+                <a:schemeClr val="accent1">
+                  <a:shade val="67500"/>
+                  <a:satMod val="115000"/>
+                </a:schemeClr>
+              </a:gs>
+              <a:gs pos="100000">
+                <a:schemeClr val="bg2"/>
+              </a:gs>
+            </a:gsLst>
+            <a:lin ang="0" scaled="1"/>
+            <a:tileRect/>
+          </a:gradFill>
+          <a:ln>
+            <a:noFill/>
+          </a:ln>
+          <a:effectLst>
+            <a:outerShdw blurRad="152400" dist="317500" dir="5400000" sx="90000" sy="-19000" rotWithShape="0">
+              <a:prstClr val="black">
+                <a:alpha val="15000"/>
+              </a:prstClr>
+            </a:outerShdw>
+            <a:softEdge rad="31750"/>
+          </a:effectLst>
+        </p:spPr>
+        <p:style>
+          <a:lnRef idx="2">
+            <a:schemeClr val="accent1">
+              <a:shade val="50000"/>
+            </a:schemeClr>
+          </a:lnRef>
+          <a:fillRef idx="1">
+            <a:schemeClr val="accent1"/>
+          </a:fillRef>
+          <a:effectRef idx="0">
+            <a:schemeClr val="accent1"/>
+          </a:effectRef>
+          <a:fontRef idx="minor">
+            <a:schemeClr val="lt1"/>
+          </a:fontRef>
+        </p:style>
+        <p:txBody>
+          <a:bodyPr rtlCol="0" anchor="ctr"/>
+          <a:lstStyle/>
+          <a:p>
+            <a:pPr algn="ctr"/>
+            <a:endParaRPr lang="ru-RU" dirty="0">
+              <a:solidFill>
+                <a:prstClr val="white"/>
+              </a:solidFill>
+            </a:endParaRPr>
+          </a:p>
+        </p:txBody>
+      </p:sp>
+      <p:sp>
+        <p:nvSpPr>
           <p:cNvPr id="3" name="Прямоугольник 2">
             <a:extLst>
               <a:ext uri="{FF2B5EF4-FFF2-40B4-BE49-F238E27FC236}">
-                <a16:creationId xmlns="" xmlns:a16="http://schemas.microsoft.com/office/drawing/2014/main" id="{45307831-EC6C-B45E-0960-F613C54A0148}"/>
+                <a16:creationId xmlns:a16="http://schemas.microsoft.com/office/drawing/2014/main" xmlns="" id="{45307831-EC6C-B45E-0960-F613C54A0148}"/>
               </a:ext>
             </a:extLst>
           </p:cNvPr>
@@ -7869,7 +8484,7 @@
           <p:cNvPr id="2" name="Рисунок 5" descr="Описание: tuit.png">
             <a:extLst>
               <a:ext uri="{FF2B5EF4-FFF2-40B4-BE49-F238E27FC236}">
-                <a16:creationId xmlns="" xmlns:a16="http://schemas.microsoft.com/office/drawing/2014/main" id="{6DFF2C0E-416D-CAE4-AC62-43441B4B09D9}"/>
+                <a16:creationId xmlns:a16="http://schemas.microsoft.com/office/drawing/2014/main" xmlns="" id="{6DFF2C0E-416D-CAE4-AC62-43441B4B09D9}"/>
               </a:ext>
             </a:extLst>
           </p:cNvPr>
@@ -7929,7 +8544,7 @@
           <p:cNvPr id="6" name="Subtitle 2">
             <a:extLst>
               <a:ext uri="{FF2B5EF4-FFF2-40B4-BE49-F238E27FC236}">
-                <a16:creationId xmlns="" xmlns:a16="http://schemas.microsoft.com/office/drawing/2014/main" id="{73D4D9D3-B60F-4CEA-B3B7-D0A0214B84FE}"/>
+                <a16:creationId xmlns:a16="http://schemas.microsoft.com/office/drawing/2014/main" xmlns="" id="{73D4D9D3-B60F-4CEA-B3B7-D0A0214B84FE}"/>
               </a:ext>
             </a:extLst>
           </p:cNvPr>
@@ -7987,6 +8602,13 @@
   <p:clrMapOvr>
     <a:masterClrMapping/>
   </p:clrMapOvr>
+  <p:timing>
+    <p:tnLst>
+      <p:par>
+        <p:cTn id="1" dur="indefinite" restart="never" nodeType="tmRoot"/>
+      </p:par>
+    </p:tnLst>
+  </p:timing>
 </p:sld>
 </file>
 
@@ -8524,6 +9146,13 @@
   <p:clrMapOvr>
     <a:masterClrMapping/>
   </p:clrMapOvr>
+  <p:timing>
+    <p:tnLst>
+      <p:par>
+        <p:cTn id="1" dur="indefinite" restart="never" nodeType="tmRoot"/>
+      </p:par>
+    </p:tnLst>
+  </p:timing>
 </p:sld>
 </file>
 
@@ -9091,7 +9720,7 @@
           <p:cNvPr id="12" name="Subtitle 2">
             <a:extLst>
               <a:ext uri="{FF2B5EF4-FFF2-40B4-BE49-F238E27FC236}">
-                <a16:creationId xmlns="" xmlns:a16="http://schemas.microsoft.com/office/drawing/2014/main" id="{4FFEAA84-53A0-4BEC-BE53-7181C5DEC0AB}"/>
+                <a16:creationId xmlns:a16="http://schemas.microsoft.com/office/drawing/2014/main" xmlns="" id="{4FFEAA84-53A0-4BEC-BE53-7181C5DEC0AB}"/>
               </a:ext>
             </a:extLst>
           </p:cNvPr>
@@ -9149,6 +9778,13 @@
   <p:clrMapOvr>
     <a:masterClrMapping/>
   </p:clrMapOvr>
+  <p:timing>
+    <p:tnLst>
+      <p:par>
+        <p:cTn id="1" dur="indefinite" restart="never" nodeType="tmRoot"/>
+      </p:par>
+    </p:tnLst>
+  </p:timing>
 </p:sld>
 </file>
 
@@ -9174,7 +9810,7 @@
           <p:cNvPr id="3" name="TextBox 2">
             <a:extLst>
               <a:ext uri="{FF2B5EF4-FFF2-40B4-BE49-F238E27FC236}">
-                <a16:creationId xmlns="" xmlns:a16="http://schemas.microsoft.com/office/drawing/2014/main" id="{3E2E1950-4726-44D2-BDB1-8F9A5C6D18B9}"/>
+                <a16:creationId xmlns:a16="http://schemas.microsoft.com/office/drawing/2014/main" xmlns="" id="{3E2E1950-4726-44D2-BDB1-8F9A5C6D18B9}"/>
               </a:ext>
             </a:extLst>
           </p:cNvPr>
@@ -9480,6 +10116,13 @@
   <p:clrMapOvr>
     <a:masterClrMapping/>
   </p:clrMapOvr>
+  <p:timing>
+    <p:tnLst>
+      <p:par>
+        <p:cTn id="1" dur="indefinite" restart="never" nodeType="tmRoot"/>
+      </p:par>
+    </p:tnLst>
+  </p:timing>
 </p:sld>
 </file>
 
@@ -9505,7 +10148,7 @@
           <p:cNvPr id="3" name="TextBox 2">
             <a:extLst>
               <a:ext uri="{FF2B5EF4-FFF2-40B4-BE49-F238E27FC236}">
-                <a16:creationId xmlns="" xmlns:a16="http://schemas.microsoft.com/office/drawing/2014/main" id="{3E2E1950-4726-44D2-BDB1-8F9A5C6D18B9}"/>
+                <a16:creationId xmlns:a16="http://schemas.microsoft.com/office/drawing/2014/main" xmlns="" id="{3E2E1950-4726-44D2-BDB1-8F9A5C6D18B9}"/>
               </a:ext>
             </a:extLst>
           </p:cNvPr>
@@ -10104,6 +10747,13 @@
   <p:clrMapOvr>
     <a:masterClrMapping/>
   </p:clrMapOvr>
+  <p:timing>
+    <p:tnLst>
+      <p:par>
+        <p:cTn id="1" dur="indefinite" restart="never" nodeType="tmRoot"/>
+      </p:par>
+    </p:tnLst>
+  </p:timing>
 </p:sld>
 </file>
 
@@ -10129,7 +10779,7 @@
           <p:cNvPr id="3" name="TextBox 2">
             <a:extLst>
               <a:ext uri="{FF2B5EF4-FFF2-40B4-BE49-F238E27FC236}">
-                <a16:creationId xmlns="" xmlns:a16="http://schemas.microsoft.com/office/drawing/2014/main" id="{3E2E1950-4726-44D2-BDB1-8F9A5C6D18B9}"/>
+                <a16:creationId xmlns:a16="http://schemas.microsoft.com/office/drawing/2014/main" xmlns="" id="{3E2E1950-4726-44D2-BDB1-8F9A5C6D18B9}"/>
               </a:ext>
             </a:extLst>
           </p:cNvPr>
@@ -10622,6 +11272,13 @@
   <p:clrMapOvr>
     <a:masterClrMapping/>
   </p:clrMapOvr>
+  <p:timing>
+    <p:tnLst>
+      <p:par>
+        <p:cTn id="1" dur="indefinite" restart="never" nodeType="tmRoot"/>
+      </p:par>
+    </p:tnLst>
+  </p:timing>
 </p:sld>
 </file>
 
@@ -10647,7 +11304,7 @@
           <p:cNvPr id="3" name="TextBox 2">
             <a:extLst>
               <a:ext uri="{FF2B5EF4-FFF2-40B4-BE49-F238E27FC236}">
-                <a16:creationId xmlns="" xmlns:a16="http://schemas.microsoft.com/office/drawing/2014/main" id="{3E2E1950-4726-44D2-BDB1-8F9A5C6D18B9}"/>
+                <a16:creationId xmlns:a16="http://schemas.microsoft.com/office/drawing/2014/main" xmlns="" id="{3E2E1950-4726-44D2-BDB1-8F9A5C6D18B9}"/>
               </a:ext>
             </a:extLst>
           </p:cNvPr>
@@ -11091,6 +11748,13 @@
   <p:clrMapOvr>
     <a:masterClrMapping/>
   </p:clrMapOvr>
+  <p:timing>
+    <p:tnLst>
+      <p:par>
+        <p:cTn id="1" dur="indefinite" restart="never" nodeType="tmRoot"/>
+      </p:par>
+    </p:tnLst>
+  </p:timing>
 </p:sld>
 </file>
 
@@ -11539,6 +12203,13 @@
   <p:clrMapOvr>
     <a:masterClrMapping/>
   </p:clrMapOvr>
+  <p:timing>
+    <p:tnLst>
+      <p:par>
+        <p:cTn id="1" dur="indefinite" restart="never" nodeType="tmRoot"/>
+      </p:par>
+    </p:tnLst>
+  </p:timing>
 </p:sld>
 </file>
 
@@ -11564,7 +12235,7 @@
           <p:cNvPr id="3" name="TextBox 2">
             <a:extLst>
               <a:ext uri="{FF2B5EF4-FFF2-40B4-BE49-F238E27FC236}">
-                <a16:creationId xmlns="" xmlns:a16="http://schemas.microsoft.com/office/drawing/2014/main" id="{3E2E1950-4726-44D2-BDB1-8F9A5C6D18B9}"/>
+                <a16:creationId xmlns:a16="http://schemas.microsoft.com/office/drawing/2014/main" xmlns="" id="{3E2E1950-4726-44D2-BDB1-8F9A5C6D18B9}"/>
               </a:ext>
             </a:extLst>
           </p:cNvPr>
@@ -12061,6 +12732,13 @@
   <p:clrMapOvr>
     <a:masterClrMapping/>
   </p:clrMapOvr>
+  <p:timing>
+    <p:tnLst>
+      <p:par>
+        <p:cTn id="1" dur="indefinite" restart="never" nodeType="tmRoot"/>
+      </p:par>
+    </p:tnLst>
+  </p:timing>
 </p:sld>
 </file>
 
